--- a/project/qb_projections/first_presentation.pptx
+++ b/project/qb_projections/first_presentation.pptx
@@ -5023,6 +5023,66 @@
           </a:p>
         </p:txBody>
       </p:sp>
+      <p:sp>
+        <p:nvSpPr>
+          <p:cNvPr id="5" name="TextBox 4"/>
+          <p:cNvSpPr txBox="1"/>
+          <p:nvPr/>
+        </p:nvSpPr>
+        <p:spPr>
+          <a:xfrm>
+            <a:off x="685800" y="3897868"/>
+            <a:ext cx="806631" cy="369332"/>
+          </a:xfrm>
+          <a:prstGeom prst="rect">
+            <a:avLst/>
+          </a:prstGeom>
+          <a:noFill/>
+        </p:spPr>
+        <p:txBody>
+          <a:bodyPr wrap="none" rtlCol="0">
+            <a:spAutoFit/>
+          </a:bodyPr>
+          <a:lstStyle/>
+          <a:p>
+            <a:r>
+              <a:rPr lang="en-US" dirty="0" smtClean="0"/>
+              <a:t>Count</a:t>
+            </a:r>
+            <a:endParaRPr lang="en-US" dirty="0"/>
+          </a:p>
+        </p:txBody>
+      </p:sp>
+      <p:sp>
+        <p:nvSpPr>
+          <p:cNvPr id="8" name="TextBox 7"/>
+          <p:cNvSpPr txBox="1"/>
+          <p:nvPr/>
+        </p:nvSpPr>
+        <p:spPr>
+          <a:xfrm>
+            <a:off x="3657600" y="6488668"/>
+            <a:ext cx="1295547" cy="369332"/>
+          </a:xfrm>
+          <a:prstGeom prst="rect">
+            <a:avLst/>
+          </a:prstGeom>
+          <a:noFill/>
+        </p:spPr>
+        <p:txBody>
+          <a:bodyPr wrap="none" rtlCol="0">
+            <a:spAutoFit/>
+          </a:bodyPr>
+          <a:lstStyle/>
+          <a:p>
+            <a:r>
+              <a:rPr lang="en-US" dirty="0" smtClean="0"/>
+              <a:t>Vegas Line</a:t>
+            </a:r>
+            <a:endParaRPr lang="en-US" dirty="0"/>
+          </a:p>
+        </p:txBody>
+      </p:sp>
     </p:spTree>
     <p:extLst>
       <p:ext uri="{BB962C8B-B14F-4D97-AF65-F5344CB8AC3E}">
